--- a/Docker/Docker.pptx
+++ b/Docker/Docker.pptx
@@ -5,7 +5,7 @@
     <p:sldMasterId id="2147483648" r:id="rId1"/>
   </p:sldMasterIdLst>
   <p:notesMasterIdLst>
-    <p:notesMasterId r:id="rId8"/>
+    <p:notesMasterId r:id="rId10"/>
   </p:notesMasterIdLst>
   <p:sldIdLst>
     <p:sldId id="256" r:id="rId2"/>
@@ -14,6 +14,8 @@
     <p:sldId id="260" r:id="rId5"/>
     <p:sldId id="258" r:id="rId6"/>
     <p:sldId id="261" r:id="rId7"/>
+    <p:sldId id="263" r:id="rId8"/>
+    <p:sldId id="262" r:id="rId9"/>
   </p:sldIdLst>
   <p:sldSz cx="12192000" cy="6858000"/>
   <p:notesSz cx="6858000" cy="9144000"/>
@@ -112,6 +114,11 @@
       </a:defRPr>
     </a:lvl9pPr>
   </p:defaultTextStyle>
+  <p:extLst>
+    <p:ext uri="{EFAFB233-063F-42B5-8137-9DF3F51BA10A}">
+      <p15:sldGuideLst xmlns:p15="http://schemas.microsoft.com/office/powerpoint/2012/main"/>
+    </p:ext>
+  </p:extLst>
 </p:presentation>
 </file>
 
@@ -197,7 +204,7 @@
           <a:p>
             <a:fld id="{715ECD9A-7CED-4460-BB77-07071F0144AB}" type="datetimeFigureOut">
               <a:rPr lang="en-US" smtClean="0"/>
-              <a:t>7/26/2019</a:t>
+              <a:t>7/30/2019</a:t>
             </a:fld>
             <a:endParaRPr lang="en-US"/>
           </a:p>
@@ -680,7 +687,7 @@
           <a:p>
             <a:fld id="{E8D575AB-328F-4A44-B4BA-EA8C72B33500}" type="datetimeFigureOut">
               <a:rPr lang="en-US" smtClean="0"/>
-              <a:t>7/26/2019</a:t>
+              <a:t>7/30/2019</a:t>
             </a:fld>
             <a:endParaRPr lang="en-US"/>
           </a:p>
@@ -850,7 +857,7 @@
           <a:p>
             <a:fld id="{E8D575AB-328F-4A44-B4BA-EA8C72B33500}" type="datetimeFigureOut">
               <a:rPr lang="en-US" smtClean="0"/>
-              <a:t>7/26/2019</a:t>
+              <a:t>7/30/2019</a:t>
             </a:fld>
             <a:endParaRPr lang="en-US"/>
           </a:p>
@@ -1030,7 +1037,7 @@
           <a:p>
             <a:fld id="{E8D575AB-328F-4A44-B4BA-EA8C72B33500}" type="datetimeFigureOut">
               <a:rPr lang="en-US" smtClean="0"/>
-              <a:t>7/26/2019</a:t>
+              <a:t>7/30/2019</a:t>
             </a:fld>
             <a:endParaRPr lang="en-US"/>
           </a:p>
@@ -1200,7 +1207,7 @@
           <a:p>
             <a:fld id="{E8D575AB-328F-4A44-B4BA-EA8C72B33500}" type="datetimeFigureOut">
               <a:rPr lang="en-US" smtClean="0"/>
-              <a:t>7/26/2019</a:t>
+              <a:t>7/30/2019</a:t>
             </a:fld>
             <a:endParaRPr lang="en-US"/>
           </a:p>
@@ -1446,7 +1453,7 @@
           <a:p>
             <a:fld id="{E8D575AB-328F-4A44-B4BA-EA8C72B33500}" type="datetimeFigureOut">
               <a:rPr lang="en-US" smtClean="0"/>
-              <a:t>7/26/2019</a:t>
+              <a:t>7/30/2019</a:t>
             </a:fld>
             <a:endParaRPr lang="en-US"/>
           </a:p>
@@ -1678,7 +1685,7 @@
           <a:p>
             <a:fld id="{E8D575AB-328F-4A44-B4BA-EA8C72B33500}" type="datetimeFigureOut">
               <a:rPr lang="en-US" smtClean="0"/>
-              <a:t>7/26/2019</a:t>
+              <a:t>7/30/2019</a:t>
             </a:fld>
             <a:endParaRPr lang="en-US"/>
           </a:p>
@@ -2045,7 +2052,7 @@
           <a:p>
             <a:fld id="{E8D575AB-328F-4A44-B4BA-EA8C72B33500}" type="datetimeFigureOut">
               <a:rPr lang="en-US" smtClean="0"/>
-              <a:t>7/26/2019</a:t>
+              <a:t>7/30/2019</a:t>
             </a:fld>
             <a:endParaRPr lang="en-US"/>
           </a:p>
@@ -2163,7 +2170,7 @@
           <a:p>
             <a:fld id="{E8D575AB-328F-4A44-B4BA-EA8C72B33500}" type="datetimeFigureOut">
               <a:rPr lang="en-US" smtClean="0"/>
-              <a:t>7/26/2019</a:t>
+              <a:t>7/30/2019</a:t>
             </a:fld>
             <a:endParaRPr lang="en-US"/>
           </a:p>
@@ -2258,7 +2265,7 @@
           <a:p>
             <a:fld id="{E8D575AB-328F-4A44-B4BA-EA8C72B33500}" type="datetimeFigureOut">
               <a:rPr lang="en-US" smtClean="0"/>
-              <a:t>7/26/2019</a:t>
+              <a:t>7/30/2019</a:t>
             </a:fld>
             <a:endParaRPr lang="en-US"/>
           </a:p>
@@ -2535,7 +2542,7 @@
           <a:p>
             <a:fld id="{E8D575AB-328F-4A44-B4BA-EA8C72B33500}" type="datetimeFigureOut">
               <a:rPr lang="en-US" smtClean="0"/>
-              <a:t>7/26/2019</a:t>
+              <a:t>7/30/2019</a:t>
             </a:fld>
             <a:endParaRPr lang="en-US"/>
           </a:p>
@@ -2788,7 +2795,7 @@
           <a:p>
             <a:fld id="{E8D575AB-328F-4A44-B4BA-EA8C72B33500}" type="datetimeFigureOut">
               <a:rPr lang="en-US" smtClean="0"/>
-              <a:t>7/26/2019</a:t>
+              <a:t>7/30/2019</a:t>
             </a:fld>
             <a:endParaRPr lang="en-US"/>
           </a:p>
@@ -3001,7 +3008,7 @@
           <a:p>
             <a:fld id="{E8D575AB-328F-4A44-B4BA-EA8C72B33500}" type="datetimeFigureOut">
               <a:rPr lang="en-US" smtClean="0"/>
-              <a:t>7/26/2019</a:t>
+              <a:t>7/30/2019</a:t>
             </a:fld>
             <a:endParaRPr lang="en-US"/>
           </a:p>
@@ -4031,7 +4038,6 @@
               <a:rPr lang="en-US" sz="1000" dirty="0" smtClean="0"/>
               <a:t>Help in achieving realistic containers on a machine.</a:t>
             </a:r>
-            <a:endParaRPr lang="en-US" sz="1000" dirty="0" smtClean="0"/>
           </a:p>
           <a:p>
             <a:pPr lvl="2"/>
@@ -4149,10 +4155,468 @@
           </a:prstGeom>
         </p:spPr>
       </p:pic>
+      <p:pic>
+        <p:nvPicPr>
+          <p:cNvPr id="3" name="Picture 2"/>
+          <p:cNvPicPr>
+            <a:picLocks noChangeAspect="1"/>
+          </p:cNvPicPr>
+          <p:nvPr/>
+        </p:nvPicPr>
+        <p:blipFill>
+          <a:blip r:embed="rId4"/>
+          <a:stretch>
+            <a:fillRect/>
+          </a:stretch>
+        </p:blipFill>
+        <p:spPr>
+          <a:xfrm>
+            <a:off x="1197573" y="2948942"/>
+            <a:ext cx="3860149" cy="1517550"/>
+          </a:xfrm>
+          <a:prstGeom prst="rect">
+            <a:avLst/>
+          </a:prstGeom>
+        </p:spPr>
+      </p:pic>
+      <p:pic>
+        <p:nvPicPr>
+          <p:cNvPr id="6" name="Picture 5"/>
+          <p:cNvPicPr>
+            <a:picLocks noChangeAspect="1"/>
+          </p:cNvPicPr>
+          <p:nvPr/>
+        </p:nvPicPr>
+        <p:blipFill>
+          <a:blip r:embed="rId5"/>
+          <a:stretch>
+            <a:fillRect/>
+          </a:stretch>
+        </p:blipFill>
+        <p:spPr>
+          <a:xfrm>
+            <a:off x="5057722" y="2948942"/>
+            <a:ext cx="3408099" cy="1517550"/>
+          </a:xfrm>
+          <a:prstGeom prst="rect">
+            <a:avLst/>
+          </a:prstGeom>
+        </p:spPr>
+      </p:pic>
+      <p:pic>
+        <p:nvPicPr>
+          <p:cNvPr id="7" name="Picture 6"/>
+          <p:cNvPicPr>
+            <a:picLocks noChangeAspect="1"/>
+          </p:cNvPicPr>
+          <p:nvPr/>
+        </p:nvPicPr>
+        <p:blipFill>
+          <a:blip r:embed="rId6"/>
+          <a:stretch>
+            <a:fillRect/>
+          </a:stretch>
+        </p:blipFill>
+        <p:spPr>
+          <a:xfrm>
+            <a:off x="1197573" y="4466492"/>
+            <a:ext cx="3860149" cy="1740877"/>
+          </a:xfrm>
+          <a:prstGeom prst="rect">
+            <a:avLst/>
+          </a:prstGeom>
+        </p:spPr>
+      </p:pic>
+      <p:pic>
+        <p:nvPicPr>
+          <p:cNvPr id="8" name="Picture 7"/>
+          <p:cNvPicPr>
+            <a:picLocks noChangeAspect="1"/>
+          </p:cNvPicPr>
+          <p:nvPr/>
+        </p:nvPicPr>
+        <p:blipFill>
+          <a:blip r:embed="rId7"/>
+          <a:stretch>
+            <a:fillRect/>
+          </a:stretch>
+        </p:blipFill>
+        <p:spPr>
+          <a:xfrm>
+            <a:off x="5057722" y="4440115"/>
+            <a:ext cx="3408099" cy="1767253"/>
+          </a:xfrm>
+          <a:prstGeom prst="rect">
+            <a:avLst/>
+          </a:prstGeom>
+        </p:spPr>
+      </p:pic>
     </p:spTree>
     <p:extLst>
       <p:ext uri="{BB962C8B-B14F-4D97-AF65-F5344CB8AC3E}">
         <p14:creationId xmlns:p14="http://schemas.microsoft.com/office/powerpoint/2010/main" val="21960931"/>
+      </p:ext>
+    </p:extLst>
+  </p:cSld>
+  <p:clrMapOvr>
+    <a:masterClrMapping/>
+  </p:clrMapOvr>
+</p:sld>
+</file>
+
+<file path=ppt/slides/slide7.xml><?xml version="1.0" encoding="utf-8"?>
+<p:sld xmlns:a="http://schemas.openxmlformats.org/drawingml/2006/main" xmlns:r="http://schemas.openxmlformats.org/officeDocument/2006/relationships" xmlns:p="http://schemas.openxmlformats.org/presentationml/2006/main">
+  <p:cSld>
+    <p:spTree>
+      <p:nvGrpSpPr>
+        <p:cNvPr id="1" name=""/>
+        <p:cNvGrpSpPr/>
+        <p:nvPr/>
+      </p:nvGrpSpPr>
+      <p:grpSpPr>
+        <a:xfrm>
+          <a:off x="0" y="0"/>
+          <a:ext cx="0" cy="0"/>
+          <a:chOff x="0" y="0"/>
+          <a:chExt cx="0" cy="0"/>
+        </a:xfrm>
+      </p:grpSpPr>
+      <p:sp>
+        <p:nvSpPr>
+          <p:cNvPr id="2" name="Title 1"/>
+          <p:cNvSpPr>
+            <a:spLocks noGrp="1"/>
+          </p:cNvSpPr>
+          <p:nvPr>
+            <p:ph type="title"/>
+          </p:nvPr>
+        </p:nvSpPr>
+        <p:spPr>
+          <a:xfrm>
+            <a:off x="647700" y="127000"/>
+            <a:ext cx="10515600" cy="701675"/>
+          </a:xfrm>
+        </p:spPr>
+        <p:txBody>
+          <a:bodyPr/>
+          <a:lstStyle/>
+          <a:p>
+            <a:r>
+              <a:rPr lang="en-US" dirty="0" smtClean="0"/>
+              <a:t>Building Images</a:t>
+            </a:r>
+            <a:endParaRPr lang="en-US" dirty="0"/>
+          </a:p>
+        </p:txBody>
+      </p:sp>
+      <p:pic>
+        <p:nvPicPr>
+          <p:cNvPr id="4" name="Content Placeholder 3"/>
+          <p:cNvPicPr>
+            <a:picLocks noGrp="1" noChangeAspect="1"/>
+          </p:cNvPicPr>
+          <p:nvPr>
+            <p:ph idx="1"/>
+          </p:nvPr>
+        </p:nvPicPr>
+        <p:blipFill>
+          <a:blip r:embed="rId2"/>
+          <a:stretch>
+            <a:fillRect/>
+          </a:stretch>
+        </p:blipFill>
+        <p:spPr>
+          <a:xfrm>
+            <a:off x="647700" y="1147763"/>
+            <a:ext cx="10515600" cy="3258740"/>
+          </a:xfrm>
+          <a:prstGeom prst="rect">
+            <a:avLst/>
+          </a:prstGeom>
+        </p:spPr>
+      </p:pic>
+    </p:spTree>
+    <p:extLst>
+      <p:ext uri="{BB962C8B-B14F-4D97-AF65-F5344CB8AC3E}">
+        <p14:creationId xmlns:p14="http://schemas.microsoft.com/office/powerpoint/2010/main" val="506890777"/>
+      </p:ext>
+    </p:extLst>
+  </p:cSld>
+  <p:clrMapOvr>
+    <a:masterClrMapping/>
+  </p:clrMapOvr>
+</p:sld>
+</file>
+
+<file path=ppt/slides/slide8.xml><?xml version="1.0" encoding="utf-8"?>
+<p:sld xmlns:a="http://schemas.openxmlformats.org/drawingml/2006/main" xmlns:r="http://schemas.openxmlformats.org/officeDocument/2006/relationships" xmlns:p="http://schemas.openxmlformats.org/presentationml/2006/main">
+  <p:cSld>
+    <p:spTree>
+      <p:nvGrpSpPr>
+        <p:cNvPr id="1" name=""/>
+        <p:cNvGrpSpPr/>
+        <p:nvPr/>
+      </p:nvGrpSpPr>
+      <p:grpSpPr>
+        <a:xfrm>
+          <a:off x="0" y="0"/>
+          <a:ext cx="0" cy="0"/>
+          <a:chOff x="0" y="0"/>
+          <a:chExt cx="0" cy="0"/>
+        </a:xfrm>
+      </p:grpSpPr>
+      <p:sp>
+        <p:nvSpPr>
+          <p:cNvPr id="2" name="Title 1"/>
+          <p:cNvSpPr>
+            <a:spLocks noGrp="1"/>
+          </p:cNvSpPr>
+          <p:nvPr>
+            <p:ph type="title"/>
+          </p:nvPr>
+        </p:nvSpPr>
+        <p:spPr>
+          <a:xfrm>
+            <a:off x="838200" y="365126"/>
+            <a:ext cx="10515600" cy="566860"/>
+          </a:xfrm>
+        </p:spPr>
+        <p:txBody>
+          <a:bodyPr>
+            <a:normAutofit fontScale="90000"/>
+          </a:bodyPr>
+          <a:lstStyle/>
+          <a:p>
+            <a:r>
+              <a:rPr lang="en-US" dirty="0" smtClean="0"/>
+              <a:t>Data Storage in Docker</a:t>
+            </a:r>
+            <a:endParaRPr lang="en-US" dirty="0"/>
+          </a:p>
+        </p:txBody>
+      </p:sp>
+      <p:sp>
+        <p:nvSpPr>
+          <p:cNvPr id="3" name="Content Placeholder 2"/>
+          <p:cNvSpPr>
+            <a:spLocks noGrp="1"/>
+          </p:cNvSpPr>
+          <p:nvPr>
+            <p:ph idx="1"/>
+          </p:nvPr>
+        </p:nvSpPr>
+        <p:spPr>
+          <a:xfrm>
+            <a:off x="838200" y="1025524"/>
+            <a:ext cx="10515600" cy="5612667"/>
+          </a:xfrm>
+        </p:spPr>
+        <p:txBody>
+          <a:bodyPr>
+            <a:normAutofit/>
+          </a:bodyPr>
+          <a:lstStyle/>
+          <a:p>
+            <a:r>
+              <a:rPr lang="en-US" sz="1600" dirty="0"/>
+              <a:t>The data doesn’t persist when that container no longer exists, and it can be difficult to get the data out of the container if another process needs it.</a:t>
+            </a:r>
+          </a:p>
+          <a:p>
+            <a:r>
+              <a:rPr lang="en-US" sz="1600" dirty="0"/>
+              <a:t>A container’s writable layer is tightly coupled to the host machine where the container is running. You can’t easily move the data somewhere else.</a:t>
+            </a:r>
+          </a:p>
+          <a:p>
+            <a:r>
+              <a:rPr lang="en-US" sz="1600" dirty="0"/>
+              <a:t>Writing into a container’s writable layer requires a</a:t>
+            </a:r>
+            <a:r>
+              <a:rPr lang="en-US" sz="1600" dirty="0"/>
+              <a:t> </a:t>
+            </a:r>
+            <a:r>
+              <a:rPr lang="en-US" sz="1600" dirty="0">
+                <a:hlinkClick r:id="rId2"/>
+              </a:rPr>
+              <a:t>storage driver</a:t>
+            </a:r>
+            <a:r>
+              <a:rPr lang="en-US" sz="1600" dirty="0"/>
+              <a:t> to manage the </a:t>
+            </a:r>
+            <a:r>
+              <a:rPr lang="en-US" sz="1600" dirty="0" err="1"/>
+              <a:t>filesystem</a:t>
+            </a:r>
+            <a:r>
+              <a:rPr lang="en-US" sz="1600" dirty="0"/>
+              <a:t>. The storage driver provides a union </a:t>
+            </a:r>
+            <a:r>
+              <a:rPr lang="en-US" sz="1600" dirty="0" err="1"/>
+              <a:t>filesystem</a:t>
+            </a:r>
+            <a:r>
+              <a:rPr lang="en-US" sz="1600" dirty="0"/>
+              <a:t>, using the Linux kernel. This extra abstraction reduces performance as compared to using </a:t>
+            </a:r>
+            <a:r>
+              <a:rPr lang="en-US" sz="1600" i="1" dirty="0"/>
+              <a:t>data volumes</a:t>
+            </a:r>
+            <a:r>
+              <a:rPr lang="en-US" sz="1600" dirty="0"/>
+              <a:t>, which write directly to the host </a:t>
+            </a:r>
+            <a:r>
+              <a:rPr lang="en-US" sz="1600" dirty="0" err="1"/>
+              <a:t>filesystem</a:t>
+            </a:r>
+            <a:r>
+              <a:rPr lang="en-US" sz="1600" dirty="0" smtClean="0"/>
+              <a:t>.</a:t>
+            </a:r>
+          </a:p>
+          <a:p>
+            <a:r>
+              <a:rPr lang="en-US" sz="1600" dirty="0"/>
+              <a:t>Docker has two options for containers to store files in the host machine, so that the files are persisted even after the container stops: volumes, and bind mounts.</a:t>
+            </a:r>
+          </a:p>
+          <a:p>
+            <a:r>
+              <a:rPr lang="en-US" sz="1600" dirty="0"/>
+              <a:t>Volumes are stored in a part of the host </a:t>
+            </a:r>
+            <a:r>
+              <a:rPr lang="en-US" sz="1600" dirty="0" err="1"/>
+              <a:t>filesystem</a:t>
+            </a:r>
+            <a:r>
+              <a:rPr lang="en-US" sz="1600" dirty="0"/>
+              <a:t> which is managed by Docker (/</a:t>
+            </a:r>
+            <a:r>
+              <a:rPr lang="en-US" sz="1600" dirty="0" err="1"/>
+              <a:t>var</a:t>
+            </a:r>
+            <a:r>
+              <a:rPr lang="en-US" sz="1600" dirty="0"/>
+              <a:t>/lib/</a:t>
+            </a:r>
+            <a:r>
+              <a:rPr lang="en-US" sz="1600" dirty="0" err="1"/>
+              <a:t>docker</a:t>
+            </a:r>
+            <a:r>
+              <a:rPr lang="en-US" sz="1600" dirty="0"/>
+              <a:t>/volumes/ on Linux). Non-Docker processes should not modify this part of the </a:t>
+            </a:r>
+            <a:r>
+              <a:rPr lang="en-US" sz="1600" dirty="0" err="1"/>
+              <a:t>filesystem</a:t>
+            </a:r>
+            <a:r>
+              <a:rPr lang="en-US" sz="1600" dirty="0"/>
+              <a:t>. Volumes are the best way to persist data in Docker.</a:t>
+            </a:r>
+          </a:p>
+          <a:p>
+            <a:r>
+              <a:rPr lang="en-US" sz="1600" dirty="0" smtClean="0"/>
+              <a:t>Bind </a:t>
+            </a:r>
+            <a:r>
+              <a:rPr lang="en-US" sz="1600" dirty="0"/>
+              <a:t>mounts may be stored anywhere on the host system. </a:t>
+            </a:r>
+            <a:r>
+              <a:rPr lang="en-US" sz="1600" dirty="0"/>
+              <a:t>They may even be important system files or directories. Non-Docker processes on the Docker host or a Docker container can modify them at any time.</a:t>
+            </a:r>
+          </a:p>
+          <a:p>
+            <a:r>
+              <a:rPr lang="en-US" sz="1600" dirty="0" err="1" smtClean="0"/>
+              <a:t>tmpfs</a:t>
+            </a:r>
+            <a:r>
+              <a:rPr lang="en-US" sz="1600" dirty="0" smtClean="0"/>
+              <a:t> </a:t>
+            </a:r>
+            <a:r>
+              <a:rPr lang="en-US" sz="1600" dirty="0"/>
+              <a:t>mounts are stored in the host system’s memory only, and are never written to the host system’s </a:t>
+            </a:r>
+            <a:r>
+              <a:rPr lang="en-US" sz="1600" dirty="0" err="1"/>
+              <a:t>filesystem</a:t>
+            </a:r>
+            <a:r>
+              <a:rPr lang="en-US" sz="1600" dirty="0" smtClean="0"/>
+              <a:t>.</a:t>
+            </a:r>
+          </a:p>
+          <a:p>
+            <a:r>
+              <a:rPr lang="en-US" sz="1600" dirty="0" smtClean="0"/>
+              <a:t>More information on storage is available at </a:t>
+            </a:r>
+            <a:r>
+              <a:rPr lang="en-US" sz="1600" dirty="0">
+                <a:hlinkClick r:id="rId3"/>
+              </a:rPr>
+              <a:t>https://docs.docker.com/storage</a:t>
+            </a:r>
+            <a:r>
+              <a:rPr lang="en-US" sz="1600" dirty="0" smtClean="0">
+                <a:hlinkClick r:id="rId3"/>
+              </a:rPr>
+              <a:t>/</a:t>
+            </a:r>
+            <a:r>
+              <a:rPr lang="en-US" sz="1600" dirty="0"/>
+              <a:t> </a:t>
+            </a:r>
+            <a:r>
+              <a:rPr lang="en-US" sz="1600" dirty="0" smtClean="0"/>
+              <a:t>.</a:t>
+            </a:r>
+            <a:endParaRPr lang="en-US" sz="1600" dirty="0"/>
+          </a:p>
+        </p:txBody>
+      </p:sp>
+      <p:pic>
+        <p:nvPicPr>
+          <p:cNvPr id="5" name="Picture 4"/>
+          <p:cNvPicPr>
+            <a:picLocks noChangeAspect="1"/>
+          </p:cNvPicPr>
+          <p:nvPr/>
+        </p:nvPicPr>
+        <p:blipFill>
+          <a:blip r:embed="rId4"/>
+          <a:stretch>
+            <a:fillRect/>
+          </a:stretch>
+        </p:blipFill>
+        <p:spPr>
+          <a:xfrm>
+            <a:off x="1194654" y="5348285"/>
+            <a:ext cx="2987403" cy="1289906"/>
+          </a:xfrm>
+          <a:prstGeom prst="rect">
+            <a:avLst/>
+          </a:prstGeom>
+        </p:spPr>
+      </p:pic>
+    </p:spTree>
+    <p:extLst>
+      <p:ext uri="{BB962C8B-B14F-4D97-AF65-F5344CB8AC3E}">
+        <p14:creationId xmlns:p14="http://schemas.microsoft.com/office/powerpoint/2010/main" val="2681728077"/>
       </p:ext>
     </p:extLst>
   </p:cSld>
